--- a/Analysis & Predictive Modeling of NBA Finals.pptx
+++ b/Analysis & Predictive Modeling of NBA Finals.pptx
@@ -2,7 +2,7 @@
 <file path=ppt/presentation.xml><?xml version="1.0" encoding="utf-8"?>
 <p:presentation xmlns:a="http://schemas.openxmlformats.org/drawingml/2006/main" xmlns:r="http://schemas.openxmlformats.org/officeDocument/2006/relationships" xmlns:p="http://schemas.openxmlformats.org/presentationml/2006/main" xmlns:p14="http://schemas.microsoft.com/office/powerpoint/2010/main" saveSubsetFonts="1">
   <p:sldMasterIdLst>
-    <p:sldMasterId id="2147483792" r:id="rId5"/>
+    <p:sldMasterId id="2147483801" r:id="rId5"/>
   </p:sldMasterIdLst>
   <p:notesMasterIdLst>
     <p:notesMasterId r:id="rId7"/>
@@ -181,12 +181,12 @@
     </p:ext>
     <p:ext uri="{EFAFB233-063F-42B5-8137-9DF3F51BA10A}">
       <p15:sldGuideLst xmlns:p15="http://schemas.microsoft.com/office/powerpoint/2012/main">
-        <p15:guide id="1" orient="horz" pos="1619" userDrawn="1">
+        <p15:guide id="1" orient="horz" pos="1617" userDrawn="1">
           <p15:clr>
             <a:srgbClr val="A4A3A4"/>
           </p15:clr>
         </p15:guide>
-        <p15:guide id="2" pos="2879" userDrawn="1">
+        <p15:guide id="2" pos="2877" userDrawn="1">
           <p15:clr>
             <a:srgbClr val="A4A3A4"/>
           </p15:clr>
@@ -3681,7 +3681,7 @@
 </file>
 
 <file path=ppt/slides/slide11.xml><?xml version="1.0" encoding="utf-8"?>
-<p:sld xmlns:a="http://schemas.openxmlformats.org/drawingml/2006/main" xmlns:r="http://schemas.openxmlformats.org/officeDocument/2006/relationships" xmlns:p="http://schemas.openxmlformats.org/presentationml/2006/main">
+<p:sld xmlns:a="http://schemas.openxmlformats.org/drawingml/2006/main" xmlns:r="http://schemas.openxmlformats.org/officeDocument/2006/relationships" xmlns:p="http://schemas.openxmlformats.org/presentationml/2006/main" xmlns:p14="http://schemas.microsoft.com/office/powerpoint/2010/main">
   <p:cSld>
     <p:spTree>
       <p:nvGrpSpPr>
@@ -3917,29 +3917,28 @@
       </p:sp>
       <p:pic>
         <p:nvPicPr>
-          <p:cNvPr id="15" name="Picture " descr="C:/Users/jonny/AppData/Roaming/PolarisOffice9/ETemp/8596_9791528/fImage611071416500.png"/>
+          <p:cNvPr id="15" name="Picture " descr="C:/Users/jonny/AppData/Roaming/PolarisOffice9/ETemp/3732_19611232/fImage611071416500.png"/>
           <p:cNvPicPr>
             <a:picLocks noChangeAspect="1"/>
           </p:cNvPicPr>
           <p:nvPr/>
         </p:nvPicPr>
         <p:blipFill rotWithShape="1">
-          <a:blip r:embed="rId2" cstate="print">
+          <a:blip r:embed="rId2" cstate="hqprint">
             <a:extLst>
               <a:ext uri="{28A0092B-C50C-407E-A947-70E740481C1C}">
-                <a14:useLocalDpi xmlns:a14="http://schemas.microsoft.com/office/drawing/2010/main" val="0"/>
+                <a14:useLocalDpi xmlns:a14="http://schemas.microsoft.com/office/drawing/2010/main"/>
               </a:ext>
             </a:extLst>
           </a:blip>
-          <a:srcRect/>
           <a:stretch>
             <a:fillRect/>
           </a:stretch>
         </p:blipFill>
         <p:spPr bwMode="auto">
           <a:xfrm rot="0">
-            <a:off x="701675" y="2221230"/>
-            <a:ext cx="7750175" cy="3053080"/>
+            <a:off x="701675" y="2087880"/>
+            <a:ext cx="7750810" cy="2965450"/>
           </a:xfrm>
           <a:prstGeom prst="roundRect">
             <a:avLst>
@@ -3951,9 +3950,14 @@
               <a:shade val="85000"/>
             </a:srgbClr>
           </a:solidFill>
-          <a:ln w="0">
-            <a:noFill/>
-            <a:prstDash/>
+          <a:ln w="12700" cap="flat" cmpd="sng">
+            <a:solidFill>
+              <a:srgbClr val="000000">
+                <a:alpha val="100000"/>
+              </a:srgbClr>
+            </a:solidFill>
+            <a:prstDash val="lgDashDotDot"/>
+            <a:round/>
           </a:ln>
         </p:spPr>
       </p:pic>
@@ -4075,7 +4079,7 @@
 </file>
 
 <file path=ppt/slides/slide12.xml><?xml version="1.0" encoding="utf-8"?>
-<p:sld xmlns:a="http://schemas.openxmlformats.org/drawingml/2006/main" xmlns:r="http://schemas.openxmlformats.org/officeDocument/2006/relationships" xmlns:p="http://schemas.openxmlformats.org/presentationml/2006/main">
+<p:sld xmlns:a="http://schemas.openxmlformats.org/drawingml/2006/main" xmlns:r="http://schemas.openxmlformats.org/officeDocument/2006/relationships" xmlns:p="http://schemas.openxmlformats.org/presentationml/2006/main" xmlns:p14="http://schemas.microsoft.com/office/powerpoint/2010/main">
   <p:cSld>
     <p:spTree>
       <p:nvGrpSpPr>
@@ -4281,21 +4285,20 @@
       </p:sp>
       <p:pic>
         <p:nvPicPr>
-          <p:cNvPr id="15" name="Picture " descr="C:/Users/jonny/AppData/Roaming/PolarisOffice9/ETemp/8596_9791528/fImage358201689169.png"/>
+          <p:cNvPr id="15" name="Picture " descr="C:/Users/jonny/AppData/Roaming/PolarisOffice9/ETemp/3732_19611232/fImage358201689169.png"/>
           <p:cNvPicPr>
             <a:picLocks noChangeAspect="1"/>
           </p:cNvPicPr>
           <p:nvPr/>
         </p:nvPicPr>
         <p:blipFill rotWithShape="1">
-          <a:blip r:embed="rId2" cstate="print">
+          <a:blip r:embed="rId2" cstate="hqprint">
             <a:extLst>
               <a:ext uri="{28A0092B-C50C-407E-A947-70E740481C1C}">
-                <a14:useLocalDpi xmlns:a14="http://schemas.microsoft.com/office/drawing/2010/main" val="0"/>
+                <a14:useLocalDpi xmlns:a14="http://schemas.microsoft.com/office/drawing/2010/main"/>
               </a:ext>
             </a:extLst>
           </a:blip>
-          <a:srcRect/>
           <a:stretch>
             <a:fillRect/>
           </a:stretch>
@@ -4303,7 +4306,7 @@
         <p:spPr bwMode="auto">
           <a:xfrm rot="0">
             <a:off x="753110" y="1493520"/>
-            <a:ext cx="7846060" cy="3649980"/>
+            <a:ext cx="7846695" cy="3549015"/>
           </a:xfrm>
           <a:prstGeom prst="roundRect">
             <a:avLst>
@@ -4315,9 +4318,14 @@
               <a:shade val="85000"/>
             </a:srgbClr>
           </a:solidFill>
-          <a:ln w="0">
-            <a:noFill/>
-            <a:prstDash/>
+          <a:ln w="12700" cap="flat" cmpd="sng">
+            <a:solidFill>
+              <a:srgbClr val="000000">
+                <a:alpha val="100000"/>
+              </a:srgbClr>
+            </a:solidFill>
+            <a:prstDash val="lgDashDotDot"/>
+            <a:round/>
           </a:ln>
         </p:spPr>
       </p:pic>
@@ -4439,7 +4447,7 @@
 </file>
 
 <file path=ppt/slides/slide13.xml><?xml version="1.0" encoding="utf-8"?>
-<p:sld xmlns:a="http://schemas.openxmlformats.org/drawingml/2006/main" xmlns:r="http://schemas.openxmlformats.org/officeDocument/2006/relationships" xmlns:p="http://schemas.openxmlformats.org/presentationml/2006/main">
+<p:sld xmlns:a="http://schemas.openxmlformats.org/drawingml/2006/main" xmlns:r="http://schemas.openxmlformats.org/officeDocument/2006/relationships" xmlns:p="http://schemas.openxmlformats.org/presentationml/2006/main" xmlns:p14="http://schemas.microsoft.com/office/powerpoint/2010/main">
   <p:cSld>
     <p:spTree>
       <p:nvGrpSpPr>
@@ -4645,21 +4653,20 @@
       </p:sp>
       <p:pic>
         <p:nvPicPr>
-          <p:cNvPr id="15" name="Picture " descr="C:/Users/jonny/AppData/Roaming/PolarisOffice9/ETemp/8596_9791528/fImage723041735724.png"/>
+          <p:cNvPr id="15" name="Picture " descr="C:/Users/jonny/AppData/Roaming/PolarisOffice9/ETemp/3732_19611232/fImage723041735724.png"/>
           <p:cNvPicPr>
             <a:picLocks noChangeAspect="1"/>
           </p:cNvPicPr>
           <p:nvPr/>
         </p:nvPicPr>
         <p:blipFill rotWithShape="1">
-          <a:blip r:embed="rId2" cstate="print">
+          <a:blip r:embed="rId2" cstate="hqprint">
             <a:extLst>
               <a:ext uri="{28A0092B-C50C-407E-A947-70E740481C1C}">
-                <a14:useLocalDpi xmlns:a14="http://schemas.microsoft.com/office/drawing/2010/main" val="0"/>
+                <a14:useLocalDpi xmlns:a14="http://schemas.microsoft.com/office/drawing/2010/main"/>
               </a:ext>
             </a:extLst>
           </a:blip>
-          <a:srcRect/>
           <a:stretch>
             <a:fillRect/>
           </a:stretch>
@@ -4667,7 +4674,7 @@
         <p:spPr bwMode="auto">
           <a:xfrm rot="0">
             <a:off x="883285" y="1493520"/>
-            <a:ext cx="7417435" cy="3649345"/>
+            <a:ext cx="7418070" cy="3559810"/>
           </a:xfrm>
           <a:prstGeom prst="roundRect">
             <a:avLst>
@@ -4679,9 +4686,14 @@
               <a:shade val="85000"/>
             </a:srgbClr>
           </a:solidFill>
-          <a:ln w="0">
-            <a:noFill/>
-            <a:prstDash/>
+          <a:ln w="12700" cap="flat" cmpd="sng">
+            <a:solidFill>
+              <a:srgbClr val="000000">
+                <a:alpha val="100000"/>
+              </a:srgbClr>
+            </a:solidFill>
+            <a:prstDash val="lgDashDotDot"/>
+            <a:round/>
           </a:ln>
         </p:spPr>
       </p:pic>
@@ -4803,7 +4815,7 @@
 </file>
 
 <file path=ppt/slides/slide14.xml><?xml version="1.0" encoding="utf-8"?>
-<p:sld xmlns:a="http://schemas.openxmlformats.org/drawingml/2006/main" xmlns:r="http://schemas.openxmlformats.org/officeDocument/2006/relationships" xmlns:p="http://schemas.openxmlformats.org/presentationml/2006/main">
+<p:sld xmlns:a="http://schemas.openxmlformats.org/drawingml/2006/main" xmlns:r="http://schemas.openxmlformats.org/officeDocument/2006/relationships" xmlns:p="http://schemas.openxmlformats.org/presentationml/2006/main" xmlns:p14="http://schemas.microsoft.com/office/powerpoint/2010/main">
   <p:cSld>
     <p:spTree>
       <p:nvGrpSpPr>
@@ -5009,21 +5021,20 @@
       </p:sp>
       <p:pic>
         <p:nvPicPr>
-          <p:cNvPr id="15" name="Picture " descr="C:/Users/jonny/AppData/Roaming/PolarisOffice9/ETemp/8596_9791528/fImage682281791478.png"/>
+          <p:cNvPr id="15" name="Picture " descr="C:/Users/jonny/AppData/Roaming/PolarisOffice9/ETemp/3732_19611232/fImage682281791478.png"/>
           <p:cNvPicPr>
             <a:picLocks noChangeAspect="1"/>
           </p:cNvPicPr>
           <p:nvPr/>
         </p:nvPicPr>
         <p:blipFill rotWithShape="1">
-          <a:blip r:embed="rId2" cstate="print">
+          <a:blip r:embed="rId2" cstate="hqprint">
             <a:extLst>
               <a:ext uri="{28A0092B-C50C-407E-A947-70E740481C1C}">
-                <a14:useLocalDpi xmlns:a14="http://schemas.microsoft.com/office/drawing/2010/main" val="0"/>
+                <a14:useLocalDpi xmlns:a14="http://schemas.microsoft.com/office/drawing/2010/main"/>
               </a:ext>
             </a:extLst>
           </a:blip>
-          <a:srcRect/>
           <a:stretch>
             <a:fillRect/>
           </a:stretch>
@@ -5031,7 +5042,7 @@
         <p:spPr bwMode="auto">
           <a:xfrm rot="0">
             <a:off x="311785" y="1454785"/>
-            <a:ext cx="8404225" cy="3688080"/>
+            <a:ext cx="8404860" cy="3576320"/>
           </a:xfrm>
           <a:prstGeom prst="roundRect">
             <a:avLst>
@@ -5043,9 +5054,14 @@
               <a:shade val="85000"/>
             </a:srgbClr>
           </a:solidFill>
-          <a:ln w="0">
-            <a:noFill/>
-            <a:prstDash/>
+          <a:ln w="12700" cap="flat" cmpd="sng">
+            <a:solidFill>
+              <a:srgbClr val="000000">
+                <a:alpha val="100000"/>
+              </a:srgbClr>
+            </a:solidFill>
+            <a:prstDash val="lgDashDotDot"/>
+            <a:round/>
           </a:ln>
         </p:spPr>
       </p:pic>
@@ -5277,7 +5293,357 @@
 </file>
 
 <file path=ppt/slides/slide16.xml><?xml version="1.0" encoding="utf-8"?>
-<p:sld xmlns:a="http://schemas.openxmlformats.org/drawingml/2006/main" xmlns:r="http://schemas.openxmlformats.org/officeDocument/2006/relationships" xmlns:p="http://schemas.openxmlformats.org/presentationml/2006/main">
+<p:sld xmlns:a="http://schemas.openxmlformats.org/drawingml/2006/main" xmlns:r="http://schemas.openxmlformats.org/officeDocument/2006/relationships" xmlns:p="http://schemas.openxmlformats.org/presentationml/2006/main" xmlns:p14="http://schemas.microsoft.com/office/powerpoint/2010/main">
+  <p:cSld>
+    <p:spTree>
+      <p:nvGrpSpPr>
+        <p:cNvPr id="1" name=""/>
+        <p:cNvGrpSpPr/>
+        <p:nvPr/>
+      </p:nvGrpSpPr>
+      <p:grpSpPr>
+        <a:xfrm>
+          <a:off x="0" y="0"/>
+          <a:ext cx="0" cy="0"/>
+          <a:chOff x="0" y="0"/>
+          <a:chExt cx="0" cy="0"/>
+        </a:xfrm>
+      </p:grpSpPr>
+      <p:sp>
+        <p:nvSpPr>
+          <p:cNvPr id="4" name="Rect 0"/>
+          <p:cNvSpPr txBox="1">
+            <a:spLocks/>
+          </p:cNvSpPr>
+          <p:nvPr/>
+        </p:nvSpPr>
+        <p:spPr>
+          <a:xfrm rot="0">
+            <a:off x="245110" y="69850"/>
+            <a:ext cx="495935" cy="520700"/>
+          </a:xfrm>
+          <a:prstGeom prst="rect"/>
+        </p:spPr>
+        <p:txBody>
+          <a:bodyPr wrap="square" lIns="91440" tIns="45720" rIns="91440" bIns="45720" numCol="1" vert="horz" anchor="ctr">
+            <a:noAutofit/>
+          </a:bodyPr>
+          <a:lstStyle/>
+          <a:p>
+            <a:pPr marL="0" indent="0" algn="l" defTabSz="914400" latinLnBrk="0">
+              <a:lnSpc>
+                <a:spcPct val="102000"/>
+              </a:lnSpc>
+              <a:spcBef>
+                <a:spcPts val="0"/>
+              </a:spcBef>
+              <a:spcAft>
+                <a:spcPts val="0"/>
+              </a:spcAft>
+              <a:buFontTx/>
+              <a:buNone/>
+            </a:pPr>
+            <a:r>
+              <a:rPr lang="en-US" altLang="ko-KR" sz="1600">
+                <a:solidFill>
+                  <a:srgbClr val="4C3C2E"/>
+                </a:solidFill>
+                <a:latin typeface="Arial" charset="0"/>
+              </a:rPr>
+              <a:t>05</a:t>
+            </a:r>
+            <a:endParaRPr lang="ko-KR" altLang="en-US" sz="1600">
+              <a:solidFill>
+                <a:srgbClr val="4C3C2E"/>
+              </a:solidFill>
+              <a:latin typeface="Arial" charset="0"/>
+            </a:endParaRPr>
+          </a:p>
+        </p:txBody>
+      </p:sp>
+      <p:sp>
+        <p:nvSpPr>
+          <p:cNvPr id="7" name="Rect 0"/>
+          <p:cNvSpPr txBox="1">
+            <a:spLocks/>
+          </p:cNvSpPr>
+          <p:nvPr/>
+        </p:nvSpPr>
+        <p:spPr bwMode="auto">
+          <a:xfrm>
+            <a:off x="2042795" y="411480"/>
+            <a:ext cx="5816600" cy="360045"/>
+          </a:xfrm>
+          <a:prstGeom prst="rect"/>
+          <a:noFill/>
+          <a:ln w="0">
+            <a:noFill/>
+            <a:prstDash/>
+          </a:ln>
+        </p:spPr>
+        <p:txBody>
+          <a:bodyPr wrap="square" lIns="91440" tIns="45720" rIns="91440" bIns="45720" numCol="1" vert="horz" anchor="t">
+            <a:noAutofit/>
+          </a:bodyPr>
+          <a:lstStyle/>
+          <a:p>
+            <a:pPr marL="623570" indent="-514350" algn="l" defTabSz="914400" latinLnBrk="0">
+              <a:lnSpc>
+                <a:spcPct val="154000"/>
+              </a:lnSpc>
+              <a:spcBef>
+                <a:spcPts val="0"/>
+              </a:spcBef>
+              <a:spcAft>
+                <a:spcPts val="0"/>
+              </a:spcAft>
+              <a:buFontTx/>
+              <a:buNone/>
+            </a:pPr>
+            <a:r>
+              <a:rPr lang="en-US" altLang="ko-KR" sz="1400" b="1">
+                <a:solidFill>
+                  <a:srgbClr val="00B0F0"/>
+                </a:solidFill>
+                <a:latin typeface="Arial" charset="0"/>
+              </a:rPr>
+              <a:t> Best Model =  Tuned Logistic Regression with no PCA</a:t>
+            </a:r>
+            <a:endParaRPr lang="ko-KR" altLang="en-US" sz="1400" b="1">
+              <a:solidFill>
+                <a:srgbClr val="00B0F0"/>
+              </a:solidFill>
+              <a:latin typeface="Arial" charset="0"/>
+            </a:endParaRPr>
+          </a:p>
+        </p:txBody>
+      </p:sp>
+      <p:sp>
+        <p:nvSpPr>
+          <p:cNvPr id="13" name="제목 1"/>
+          <p:cNvSpPr txBox="1">
+            <a:spLocks/>
+          </p:cNvSpPr>
+          <p:nvPr>
+            <p:ph type="title" idx="4294967295"/>
+          </p:nvPr>
+        </p:nvSpPr>
+        <p:spPr>
+          <a:xfrm rot="0">
+            <a:off x="908050" y="68580"/>
+            <a:ext cx="7633335" cy="520700"/>
+          </a:xfrm>
+          <a:prstGeom prst="rect"/>
+        </p:spPr>
+        <p:txBody>
+          <a:bodyPr wrap="square" lIns="91440" tIns="45720" rIns="91440" bIns="45720" numCol="1" vert="horz" anchor="ctr">
+            <a:normAutofit fontScale="100000" lnSpcReduction="0"/>
+          </a:bodyPr>
+          <a:lstStyle/>
+          <a:p>
+            <a:pPr marL="0" indent="0" latinLnBrk="0">
+              <a:buFontTx/>
+              <a:buNone/>
+            </a:pPr>
+            <a:r>
+              <a:rPr lang="en-US" altLang="ko-KR" sz="1800" b="1">
+                <a:solidFill>
+                  <a:srgbClr val="615247"/>
+                </a:solidFill>
+                <a:latin typeface="맑은 고딕" charset="0"/>
+                <a:ea typeface="맑은 고딕" charset="0"/>
+                <a:cs typeface="+mj-cs"/>
+              </a:rPr>
+              <a:t>Machine Learning Results</a:t>
+            </a:r>
+            <a:endParaRPr lang="ko-KR" altLang="en-US" sz="1800" b="1">
+              <a:solidFill>
+                <a:srgbClr val="615247"/>
+              </a:solidFill>
+              <a:latin typeface="맑은 고딕" charset="0"/>
+              <a:ea typeface="맑은 고딕" charset="0"/>
+              <a:cs typeface="+mj-cs"/>
+            </a:endParaRPr>
+          </a:p>
+        </p:txBody>
+      </p:sp>
+      <p:pic>
+        <p:nvPicPr>
+          <p:cNvPr id="15" name="Picture " descr="C:/Users/jonny/AppData/Roaming/PolarisOffice9/ETemp/3732_19611232/fImage290651859358.png"/>
+          <p:cNvPicPr>
+            <a:picLocks noChangeAspect="1"/>
+          </p:cNvPicPr>
+          <p:nvPr/>
+        </p:nvPicPr>
+        <p:blipFill rotWithShape="1">
+          <a:blip r:embed="rId2" cstate="hqprint">
+            <a:extLst>
+              <a:ext uri="{28A0092B-C50C-407E-A947-70E740481C1C}">
+                <a14:useLocalDpi xmlns:a14="http://schemas.microsoft.com/office/drawing/2010/main"/>
+              </a:ext>
+            </a:extLst>
+          </a:blip>
+          <a:stretch>
+            <a:fillRect/>
+          </a:stretch>
+        </p:blipFill>
+        <p:spPr bwMode="auto">
+          <a:xfrm rot="0">
+            <a:off x="398145" y="955040"/>
+            <a:ext cx="4205605" cy="4076065"/>
+          </a:xfrm>
+          <a:prstGeom prst="roundRect">
+            <a:avLst>
+              <a:gd name="adj" fmla="val 1869"/>
+            </a:avLst>
+          </a:prstGeom>
+          <a:solidFill>
+            <a:srgbClr val="FFFFFF">
+              <a:shade val="85000"/>
+            </a:srgbClr>
+          </a:solidFill>
+          <a:ln w="12700" cap="flat" cmpd="sng">
+            <a:solidFill>
+              <a:srgbClr val="000000">
+                <a:alpha val="100000"/>
+              </a:srgbClr>
+            </a:solidFill>
+            <a:prstDash val="lgDashDotDot"/>
+            <a:round/>
+          </a:ln>
+        </p:spPr>
+      </p:pic>
+      <p:sp>
+        <p:nvSpPr>
+          <p:cNvPr id="10" name="Rect 0"/>
+          <p:cNvSpPr>
+            <a:spLocks/>
+          </p:cNvSpPr>
+          <p:nvPr/>
+        </p:nvSpPr>
+        <p:spPr>
+          <a:xfrm rot="0">
+            <a:off x="2091690" y="621030"/>
+            <a:ext cx="74930" cy="74930"/>
+          </a:xfrm>
+          <a:prstGeom prst="ellipse"/>
+          <a:ln w="28575" cap="flat" cmpd="sng">
+            <a:solidFill>
+              <a:srgbClr val="00B0F0">
+                <a:alpha val="100000"/>
+              </a:srgbClr>
+            </a:solidFill>
+            <a:prstDash val="solid"/>
+          </a:ln>
+        </p:spPr>
+        <p:style>
+          <a:lnRef idx="2">
+            <a:schemeClr val="dk1"/>
+          </a:lnRef>
+          <a:fillRef idx="1">
+            <a:schemeClr val="lt1"/>
+          </a:fillRef>
+          <a:effectRef idx="0">
+            <a:schemeClr val="dk1"/>
+          </a:effectRef>
+          <a:fontRef idx="minor">
+            <a:schemeClr val="dk1"/>
+          </a:fontRef>
+        </p:style>
+        <p:txBody>
+          <a:bodyPr wrap="square" lIns="91440" tIns="45720" rIns="91440" bIns="45720" numCol="1" vert="horz" anchor="ctr">
+            <a:noAutofit/>
+          </a:bodyPr>
+          <a:lstStyle/>
+          <a:p>
+            <a:pPr marL="0" indent="0" algn="ctr" latinLnBrk="0">
+              <a:buFontTx/>
+              <a:buNone/>
+            </a:pPr>
+            <a:endParaRPr lang="ko-KR" altLang="en-US" b="1">
+              <a:ln w="57150" cap="flat" cmpd="sng">
+                <a:solidFill>
+                  <a:schemeClr val="tx2">
+                    <a:satMod val="155000"/>
+                    <a:alpha val="100000"/>
+                  </a:schemeClr>
+                </a:solidFill>
+                <a:prstDash val="solid"/>
+              </a:ln>
+              <a:solidFill>
+                <a:schemeClr val="bg2">
+                  <a:satMod val="155000"/>
+                  <a:tint val="85000"/>
+                </a:schemeClr>
+              </a:solidFill>
+            </a:endParaRPr>
+          </a:p>
+        </p:txBody>
+      </p:sp>
+      <p:pic>
+        <p:nvPicPr>
+          <p:cNvPr id="16" name="Picture 1" descr="C:/Users/jonny/AppData/Roaming/PolarisOffice9/ETemp/3732_19611232/fImage3652416741.png"/>
+          <p:cNvPicPr>
+            <a:picLocks noChangeAspect="1"/>
+          </p:cNvPicPr>
+          <p:nvPr/>
+        </p:nvPicPr>
+        <p:blipFill rotWithShape="1">
+          <a:blip r:embed="rId3" cstate="print">
+            <a:extLst>
+              <a:ext uri="{28A0092B-C50C-407E-A947-70E740481C1C}">
+                <a14:useLocalDpi xmlns:a14="http://schemas.microsoft.com/office/drawing/2010/main" val="0"/>
+              </a:ext>
+            </a:extLst>
+          </a:blip>
+          <a:srcRect/>
+          <a:stretch>
+            <a:fillRect/>
+          </a:stretch>
+        </p:blipFill>
+        <p:spPr>
+          <a:xfrm rot="0">
+            <a:off x="4699000" y="950595"/>
+            <a:ext cx="4278630" cy="4080510"/>
+          </a:xfrm>
+          <a:prstGeom prst="rect"/>
+          <a:noFill/>
+          <a:ln w="12700" cap="flat" cmpd="sng">
+            <a:solidFill>
+              <a:srgbClr val="000000">
+                <a:alpha val="100000"/>
+              </a:srgbClr>
+            </a:solidFill>
+            <a:prstDash val="lgDashDotDot"/>
+            <a:round/>
+          </a:ln>
+        </p:spPr>
+      </p:pic>
+    </p:spTree>
+  </p:cSld>
+  <p:clrMapOvr>
+    <a:masterClrMapping/>
+  </p:clrMapOvr>
+  <mc:AlternateContent xmlns:mc="http://schemas.openxmlformats.org/markup-compatibility/2006">
+    <mc:Choice xmlns:p14="http://schemas.microsoft.com/office/powerpoint/2010/main" Requires="p14">
+      <p:transition spd="slow" p14:dur="2000"/>
+    </mc:Choice>
+    <mc:Fallback>
+      <p:transition spd="slow"/>
+    </mc:Fallback>
+  </mc:AlternateContent>
+  <p:timing>
+    <p:tnLst>
+      <p:par>
+        <p:cTn id="1" dur="indefinite" restart="never" nodeType="tmRoot"/>
+      </p:par>
+    </p:tnLst>
+  </p:timing>
+</p:sld>
+</file>
+
+<file path=ppt/slides/slide17.xml><?xml version="1.0" encoding="utf-8"?>
+<p:sld xmlns:a="http://schemas.openxmlformats.org/drawingml/2006/main" xmlns:r="http://schemas.openxmlformats.org/officeDocument/2006/relationships" xmlns:p="http://schemas.openxmlformats.org/presentationml/2006/main" xmlns:p14="http://schemas.microsoft.com/office/powerpoint/2010/main">
   <p:cSld>
     <p:spTree>
       <p:nvGrpSpPr>
@@ -5303,8 +5669,8 @@
         </p:nvSpPr>
         <p:spPr>
           <a:xfrm rot="0">
-            <a:off x="487045" y="922020"/>
-            <a:ext cx="3007360" cy="4183380"/>
+            <a:off x="493395" y="563245"/>
+            <a:ext cx="8509000" cy="4544695"/>
           </a:xfrm>
           <a:prstGeom prst="roundRect">
             <a:avLst>
@@ -5359,7 +5725,7 @@
               <a:buFontTx/>
               <a:buNone/>
             </a:pPr>
-            <a:endParaRPr lang="ko-KR" altLang="en-US" sz="1200">
+            <a:endParaRPr lang="ko-KR" altLang="en-US" sz="1400">
               <a:solidFill>
                 <a:srgbClr val="FFFFFF"/>
               </a:solidFill>
@@ -5380,7 +5746,7 @@
               <a:buFontTx/>
               <a:buNone/>
             </a:pPr>
-            <a:endParaRPr lang="ko-KR" altLang="en-US" sz="1200">
+            <a:endParaRPr lang="ko-KR" altLang="en-US" sz="1400">
               <a:solidFill>
                 <a:srgbClr val="FFFFFF"/>
               </a:solidFill>
@@ -5388,6 +5754,36 @@
             </a:endParaRPr>
           </a:p>
           <a:p>
+            <a:pPr marL="0" indent="0" algn="ctr" defTabSz="914400" latinLnBrk="0">
+              <a:lnSpc>
+                <a:spcPct val="102000"/>
+              </a:lnSpc>
+              <a:spcBef>
+                <a:spcPts val="0"/>
+              </a:spcBef>
+              <a:spcAft>
+                <a:spcPts val="0"/>
+              </a:spcAft>
+              <a:buFontTx/>
+              <a:buNone/>
+            </a:pPr>
+            <a:r>
+              <a:rPr lang="en-US" altLang="ko-KR" sz="1600" u="sng" b="1">
+                <a:solidFill>
+                  <a:srgbClr val="FFFFFF"/>
+                </a:solidFill>
+                <a:latin typeface="Arial" charset="0"/>
+              </a:rPr>
+              <a:t>Strengths, Limitations, &amp; Recommendations </a:t>
+            </a:r>
+            <a:endParaRPr lang="ko-KR" altLang="en-US" sz="1600" u="sng" b="1">
+              <a:solidFill>
+                <a:srgbClr val="FFFFFF"/>
+              </a:solidFill>
+              <a:latin typeface="Arial" charset="0"/>
+            </a:endParaRPr>
+          </a:p>
+          <a:p>
             <a:pPr marL="0" indent="0" algn="l" defTabSz="914400" latinLnBrk="0">
               <a:lnSpc>
                 <a:spcPct val="102000"/>
@@ -5401,7 +5797,94 @@
               <a:buFontTx/>
               <a:buNone/>
             </a:pPr>
-            <a:endParaRPr lang="ko-KR" altLang="en-US" sz="1200">
+            <a:r>
+              <a:rPr lang="en-US" altLang="ko-KR" sz="1500" u="sng" b="1">
+                <a:solidFill>
+                  <a:srgbClr val="36B700"/>
+                </a:solidFill>
+                <a:latin typeface="Arial" charset="0"/>
+              </a:rPr>
+              <a:t>Strengths:</a:t>
+            </a:r>
+            <a:endParaRPr lang="ko-KR" altLang="en-US" sz="1500" u="sng" b="1">
+              <a:solidFill>
+                <a:srgbClr val="36B700"/>
+              </a:solidFill>
+              <a:latin typeface="Arial" charset="0"/>
+            </a:endParaRPr>
+          </a:p>
+          <a:p>
+            <a:pPr marL="0" indent="0" algn="l" defTabSz="914400" latinLnBrk="0">
+              <a:lnSpc>
+                <a:spcPct val="102000"/>
+              </a:lnSpc>
+              <a:spcBef>
+                <a:spcPts val="0"/>
+              </a:spcBef>
+              <a:spcAft>
+                <a:spcPts val="0"/>
+              </a:spcAft>
+              <a:buFontTx/>
+              <a:buNone/>
+            </a:pPr>
+            <a:endParaRPr lang="ko-KR" altLang="en-US" sz="1400">
+              <a:solidFill>
+                <a:schemeClr val="bg1"/>
+              </a:solidFill>
+              <a:latin typeface="Arial" charset="0"/>
+            </a:endParaRPr>
+          </a:p>
+          <a:p>
+            <a:pPr marL="0" indent="0" algn="l" defTabSz="914400" latinLnBrk="0">
+              <a:lnSpc>
+                <a:spcPct val="102000"/>
+              </a:lnSpc>
+              <a:spcBef>
+                <a:spcPts val="0"/>
+              </a:spcBef>
+              <a:spcAft>
+                <a:spcPts val="0"/>
+              </a:spcAft>
+              <a:buFontTx/>
+              <a:buNone/>
+            </a:pPr>
+            <a:r>
+              <a:rPr lang="en-US" altLang="ko-KR" sz="1400">
+                <a:solidFill>
+                  <a:schemeClr val="bg1"/>
+                </a:solidFill>
+                <a:latin typeface="Arial" charset="0"/>
+              </a:rPr>
+              <a:t>-</a:t>
+            </a:r>
+            <a:r>
+              <a:rPr lang="en-US" altLang="ko-KR" sz="1400">
+                <a:solidFill>
+                  <a:srgbClr val="FFFFFF"/>
+                </a:solidFill>
+                <a:latin typeface="Arial" charset="0"/>
+              </a:rPr>
+              <a:t> This model’s accuracy on predicting future Home Team Wins is </a:t>
+            </a:r>
+            <a:r>
+              <a:rPr lang="en-US" altLang="ko-KR" sz="1600" b="1">
+                <a:solidFill>
+                  <a:srgbClr val="FF0000"/>
+                </a:solidFill>
+                <a:latin typeface="Arial" charset="0"/>
+              </a:rPr>
+              <a:t>60.02%</a:t>
+            </a:r>
+            <a:r>
+              <a:rPr lang="en-US" altLang="ko-KR" sz="1400">
+                <a:solidFill>
+                  <a:srgbClr val="FFFFFF"/>
+                </a:solidFill>
+                <a:latin typeface="Arial" charset="0"/>
+              </a:rPr>
+              <a:t>. </a:t>
+            </a:r>
+            <a:endParaRPr lang="ko-KR" altLang="en-US" sz="1400">
               <a:solidFill>
                 <a:srgbClr val="FFFFFF"/>
               </a:solidFill>
@@ -5422,7 +5905,43 @@
               <a:buFontTx/>
               <a:buNone/>
             </a:pPr>
-            <a:endParaRPr lang="ko-KR" altLang="en-US" sz="1200">
+            <a:r>
+              <a:rPr lang="en-US" altLang="ko-KR" sz="1400">
+                <a:solidFill>
+                  <a:schemeClr val="bg1"/>
+                </a:solidFill>
+                <a:latin typeface="Arial" charset="0"/>
+              </a:rPr>
+              <a:t>- </a:t>
+            </a:r>
+            <a:r>
+              <a:rPr lang="en-US" altLang="ko-KR" sz="1400">
+                <a:solidFill>
+                  <a:srgbClr val="FFFFFF"/>
+                </a:solidFill>
+                <a:latin typeface="Arial" charset="0"/>
+              </a:rPr>
+              <a:t>Recall measures how many of the positive cases the model correctly predicted. And this model was able to score </a:t>
+            </a:r>
+            <a:r>
+              <a:rPr lang="en-US" altLang="ko-KR" sz="1600" b="1">
+                <a:solidFill>
+                  <a:srgbClr val="FF0000"/>
+                </a:solidFill>
+                <a:latin typeface="Arial" charset="0"/>
+              </a:rPr>
+              <a:t>93.55%</a:t>
+            </a:r>
+            <a:r>
+              <a:rPr lang="en-US" altLang="ko-KR" sz="1400">
+                <a:solidFill>
+                  <a:srgbClr val="FFFFFF"/>
+                </a:solidFill>
+                <a:latin typeface="Arial" charset="0"/>
+              </a:rPr>
+              <a:t>. Which is fantastic for this type of model.</a:t>
+            </a:r>
+            <a:endParaRPr lang="ko-KR" altLang="en-US" sz="1400">
               <a:solidFill>
                 <a:srgbClr val="FFFFFF"/>
               </a:solidFill>
@@ -5443,7 +5962,7 @@
               <a:buFontTx/>
               <a:buNone/>
             </a:pPr>
-            <a:endParaRPr lang="ko-KR" altLang="en-US" sz="1200">
+            <a:endParaRPr lang="ko-KR" altLang="en-US" sz="1400">
               <a:solidFill>
                 <a:srgbClr val="FFFFFF"/>
               </a:solidFill>
@@ -5465,14 +5984,188 @@
               <a:buNone/>
             </a:pPr>
             <a:r>
+              <a:rPr lang="en-US" altLang="ko-KR" sz="1500" u="sng" b="1">
+                <a:solidFill>
+                  <a:srgbClr val="FCCC00"/>
+                </a:solidFill>
+                <a:latin typeface="Arial" charset="0"/>
+              </a:rPr>
+              <a:t>Limitations:</a:t>
+            </a:r>
+            <a:endParaRPr lang="ko-KR" altLang="en-US" sz="1500" u="sng" b="1">
+              <a:solidFill>
+                <a:srgbClr val="FCCC00"/>
+              </a:solidFill>
+              <a:latin typeface="Arial" charset="0"/>
+            </a:endParaRPr>
+          </a:p>
+          <a:p>
+            <a:pPr marL="0" indent="0" algn="l" defTabSz="914400" latinLnBrk="0">
+              <a:lnSpc>
+                <a:spcPct val="102000"/>
+              </a:lnSpc>
+              <a:spcBef>
+                <a:spcPts val="0"/>
+              </a:spcBef>
+              <a:spcAft>
+                <a:spcPts val="0"/>
+              </a:spcAft>
+              <a:buFontTx/>
+              <a:buNone/>
+            </a:pPr>
+            <a:endParaRPr lang="ko-KR" altLang="en-US" sz="1400">
+              <a:solidFill>
+                <a:srgbClr val="FFFFFF"/>
+              </a:solidFill>
+              <a:latin typeface="Arial" charset="0"/>
+            </a:endParaRPr>
+          </a:p>
+          <a:p>
+            <a:pPr marL="0" indent="0" algn="l" defTabSz="914400" latinLnBrk="0">
+              <a:lnSpc>
+                <a:spcPct val="102000"/>
+              </a:lnSpc>
+              <a:spcBef>
+                <a:spcPts val="0"/>
+              </a:spcBef>
+              <a:spcAft>
+                <a:spcPts val="0"/>
+              </a:spcAft>
+              <a:buFontTx/>
+              <a:buNone/>
+            </a:pPr>
+            <a:r>
               <a:rPr lang="en-US" altLang="ko-KR" sz="1400">
                 <a:solidFill>
-                  <a:schemeClr val="bg1"/>
+                  <a:srgbClr val="FFFFFF"/>
                 </a:solidFill>
                 <a:latin typeface="Arial" charset="0"/>
               </a:rPr>
-              <a:t>- </a:t>
-            </a:r>
+              <a:t>- Many changes can be made to parameters or inputs to increase Accuracy but the cost may be CPU performance. Due to lack of CPU performance, I was not able to utilize Randomized Search CV which could have increased accuracy more. </a:t>
+            </a:r>
+            <a:endParaRPr lang="ko-KR" altLang="en-US" sz="1400">
+              <a:solidFill>
+                <a:srgbClr val="FFFFFF"/>
+              </a:solidFill>
+              <a:latin typeface="Arial" charset="0"/>
+            </a:endParaRPr>
+          </a:p>
+          <a:p>
+            <a:pPr marL="0" indent="0" algn="l" defTabSz="914400" latinLnBrk="0">
+              <a:lnSpc>
+                <a:spcPct val="102000"/>
+              </a:lnSpc>
+              <a:spcBef>
+                <a:spcPts val="0"/>
+              </a:spcBef>
+              <a:spcAft>
+                <a:spcPts val="0"/>
+              </a:spcAft>
+              <a:buFontTx/>
+              <a:buNone/>
+            </a:pPr>
+            <a:endParaRPr lang="ko-KR" altLang="en-US" sz="1400">
+              <a:solidFill>
+                <a:srgbClr val="FFFFFF"/>
+              </a:solidFill>
+              <a:latin typeface="Arial" charset="0"/>
+            </a:endParaRPr>
+          </a:p>
+          <a:p>
+            <a:pPr marL="0" indent="0" algn="l" defTabSz="914400" latinLnBrk="0">
+              <a:lnSpc>
+                <a:spcPct val="102000"/>
+              </a:lnSpc>
+              <a:spcBef>
+                <a:spcPts val="0"/>
+              </a:spcBef>
+              <a:spcAft>
+                <a:spcPts val="0"/>
+              </a:spcAft>
+              <a:buFontTx/>
+              <a:buNone/>
+            </a:pPr>
+            <a:r>
+              <a:rPr lang="en-US" altLang="ko-KR" sz="1500" u="sng" b="1">
+                <a:solidFill>
+                  <a:srgbClr val="FFFFFF"/>
+                </a:solidFill>
+                <a:latin typeface="Arial" charset="0"/>
+              </a:rPr>
+              <a:t>Recommendation:</a:t>
+            </a:r>
+            <a:endParaRPr lang="ko-KR" altLang="en-US" sz="1500" u="sng" b="1">
+              <a:solidFill>
+                <a:srgbClr val="FFFFFF"/>
+              </a:solidFill>
+              <a:latin typeface="Arial" charset="0"/>
+            </a:endParaRPr>
+          </a:p>
+          <a:p>
+            <a:pPr marL="0" indent="0" algn="l" defTabSz="914400" latinLnBrk="0">
+              <a:lnSpc>
+                <a:spcPct val="102000"/>
+              </a:lnSpc>
+              <a:spcBef>
+                <a:spcPts val="0"/>
+              </a:spcBef>
+              <a:spcAft>
+                <a:spcPts val="0"/>
+              </a:spcAft>
+              <a:buFontTx/>
+              <a:buNone/>
+            </a:pPr>
+            <a:endParaRPr lang="ko-KR" altLang="en-US" sz="1400">
+              <a:solidFill>
+                <a:srgbClr val="FFFFFF"/>
+              </a:solidFill>
+              <a:latin typeface="Arial" charset="0"/>
+            </a:endParaRPr>
+          </a:p>
+          <a:p>
+            <a:pPr marL="0" indent="0" algn="l" defTabSz="914400" latinLnBrk="0">
+              <a:lnSpc>
+                <a:spcPct val="102000"/>
+              </a:lnSpc>
+              <a:spcBef>
+                <a:spcPts val="0"/>
+              </a:spcBef>
+              <a:spcAft>
+                <a:spcPts val="0"/>
+              </a:spcAft>
+              <a:buFontTx/>
+              <a:buNone/>
+            </a:pPr>
+            <a:r>
+              <a:rPr lang="ko-KR" altLang="en-US" sz="1400">
+                <a:solidFill>
+                  <a:srgbClr val="FFFFFF"/>
+                </a:solidFill>
+                <a:latin typeface="Arial" charset="0"/>
+              </a:rPr>
+              <a:t>- Increase amount of losing team data. Current model only has 41% of losing team data. That would make model more accurate in predicting losses.</a:t>
+            </a:r>
+            <a:endParaRPr lang="ko-KR" altLang="en-US" sz="1400">
+              <a:solidFill>
+                <a:srgbClr val="FFFFFF"/>
+              </a:solidFill>
+              <a:latin typeface="Arial" charset="0"/>
+            </a:endParaRPr>
+          </a:p>
+          <a:p>
+            <a:pPr marL="0" indent="0" algn="l" defTabSz="914400" latinLnBrk="0">
+              <a:lnSpc>
+                <a:spcPct val="102000"/>
+              </a:lnSpc>
+              <a:spcBef>
+                <a:spcPts val="0"/>
+              </a:spcBef>
+              <a:spcAft>
+                <a:spcPts val="0"/>
+              </a:spcAft>
+              <a:buFontTx/>
+              <a:buNone/>
+            </a:pPr>
             <a:r>
               <a:rPr lang="en-US" altLang="ko-KR" sz="1400">
                 <a:solidFill>
@@ -5480,1111 +6173,12 @@
                 </a:solidFill>
                 <a:latin typeface="Arial" charset="0"/>
               </a:rPr>
-              <a:t>Slight tuning of the model hyperparameters was able to increase data prediction accuracy and lower dependency on training data.</a:t>
+              <a:t>- More data outside the scope of game statistics should be used to increase accuracy even more. For instance, injury report, ejections or suspensions, and positive (wining) or negative (losing) streaks.  </a:t>
             </a:r>
             <a:endParaRPr lang="ko-KR" altLang="en-US" sz="1400">
               <a:solidFill>
                 <a:srgbClr val="FFFFFF"/>
               </a:solidFill>
-              <a:latin typeface="Arial" charset="0"/>
-            </a:endParaRPr>
-          </a:p>
-          <a:p>
-            <a:pPr marL="0" indent="0" algn="l" defTabSz="914400" latinLnBrk="0">
-              <a:lnSpc>
-                <a:spcPct val="102000"/>
-              </a:lnSpc>
-              <a:spcBef>
-                <a:spcPts val="0"/>
-              </a:spcBef>
-              <a:spcAft>
-                <a:spcPts val="0"/>
-              </a:spcAft>
-              <a:buFontTx/>
-              <a:buNone/>
-            </a:pPr>
-            <a:endParaRPr lang="ko-KR" altLang="en-US" sz="1400">
-              <a:solidFill>
-                <a:srgbClr val="FFFFFF"/>
-              </a:solidFill>
-              <a:latin typeface="Arial" charset="0"/>
-            </a:endParaRPr>
-          </a:p>
-          <a:p>
-            <a:pPr marL="0" indent="0" algn="l" defTabSz="914400" latinLnBrk="0">
-              <a:lnSpc>
-                <a:spcPct val="102000"/>
-              </a:lnSpc>
-              <a:spcBef>
-                <a:spcPts val="0"/>
-              </a:spcBef>
-              <a:spcAft>
-                <a:spcPts val="0"/>
-              </a:spcAft>
-              <a:buFontTx/>
-              <a:buNone/>
-            </a:pPr>
-            <a:r>
-              <a:rPr lang="en-US" altLang="ko-KR" sz="1400">
-                <a:solidFill>
-                  <a:srgbClr val="FFFFFF"/>
-                </a:solidFill>
-                <a:latin typeface="Arial" charset="0"/>
-              </a:rPr>
-              <a:t>- The hyperparameter is C value set to 0.1 and regularization penalty set to ‘L1’. These parameters overall reduce prediction error.</a:t>
-            </a:r>
-            <a:endParaRPr lang="ko-KR" altLang="en-US" sz="1400">
-              <a:solidFill>
-                <a:srgbClr val="FFFFFF"/>
-              </a:solidFill>
-              <a:latin typeface="Arial" charset="0"/>
-            </a:endParaRPr>
-          </a:p>
-          <a:p>
-            <a:pPr marL="0" indent="0" algn="l" defTabSz="914400" latinLnBrk="0">
-              <a:lnSpc>
-                <a:spcPct val="102000"/>
-              </a:lnSpc>
-              <a:spcBef>
-                <a:spcPts val="0"/>
-              </a:spcBef>
-              <a:spcAft>
-                <a:spcPts val="0"/>
-              </a:spcAft>
-              <a:buFontTx/>
-              <a:buNone/>
-            </a:pPr>
-            <a:endParaRPr lang="ko-KR" altLang="en-US" sz="1400">
-              <a:solidFill>
-                <a:srgbClr val="FFFFFF"/>
-              </a:solidFill>
-              <a:latin typeface="Arial" charset="0"/>
-            </a:endParaRPr>
-          </a:p>
-          <a:p>
-            <a:pPr marL="0" indent="0" algn="l" defTabSz="914400" latinLnBrk="0">
-              <a:lnSpc>
-                <a:spcPct val="102000"/>
-              </a:lnSpc>
-              <a:spcBef>
-                <a:spcPts val="0"/>
-              </a:spcBef>
-              <a:spcAft>
-                <a:spcPts val="0"/>
-              </a:spcAft>
-              <a:buFontTx/>
-              <a:buNone/>
-            </a:pPr>
-            <a:r>
-              <a:rPr lang="en-US" altLang="ko-KR" sz="1400">
-                <a:solidFill>
-                  <a:srgbClr val="FFFFFF"/>
-                </a:solidFill>
-                <a:latin typeface="Arial" charset="0"/>
-              </a:rPr>
-              <a:t>- This model’s accuracy on the testing data increased from 51% to a big jump of </a:t>
-            </a:r>
-            <a:r>
-              <a:rPr lang="en-US" altLang="ko-KR" sz="1600" b="1">
-                <a:solidFill>
-                  <a:srgbClr val="FF0000"/>
-                </a:solidFill>
-                <a:latin typeface="Arial" charset="0"/>
-              </a:rPr>
-              <a:t>60.02%</a:t>
-            </a:r>
-            <a:r>
-              <a:rPr lang="en-US" altLang="ko-KR" sz="1400">
-                <a:solidFill>
-                  <a:srgbClr val="FFFFFF"/>
-                </a:solidFill>
-                <a:latin typeface="Arial" charset="0"/>
-              </a:rPr>
-              <a:t>. </a:t>
-            </a:r>
-            <a:endParaRPr lang="ko-KR" altLang="en-US" sz="1400">
-              <a:latin typeface="Arial" charset="0"/>
-            </a:endParaRPr>
-          </a:p>
-          <a:p>
-            <a:pPr marL="0" indent="0" algn="ctr" defTabSz="914400" latinLnBrk="0">
-              <a:lnSpc>
-                <a:spcPct val="102000"/>
-              </a:lnSpc>
-              <a:spcBef>
-                <a:spcPts val="0"/>
-              </a:spcBef>
-              <a:spcAft>
-                <a:spcPts val="0"/>
-              </a:spcAft>
-              <a:buFontTx/>
-              <a:buNone/>
-            </a:pPr>
-            <a:endParaRPr lang="ko-KR" altLang="en-US" sz="1200">
-              <a:latin typeface="Arial" charset="0"/>
-            </a:endParaRPr>
-          </a:p>
-          <a:p>
-            <a:pPr marL="0" indent="0" algn="ctr" defTabSz="914400" latinLnBrk="0">
-              <a:lnSpc>
-                <a:spcPct val="102000"/>
-              </a:lnSpc>
-              <a:spcBef>
-                <a:spcPts val="0"/>
-              </a:spcBef>
-              <a:spcAft>
-                <a:spcPts val="0"/>
-              </a:spcAft>
-              <a:buFontTx/>
-              <a:buNone/>
-            </a:pPr>
-            <a:endParaRPr lang="ko-KR" altLang="en-US" sz="1200">
-              <a:latin typeface="Arial" charset="0"/>
-            </a:endParaRPr>
-          </a:p>
-          <a:p>
-            <a:pPr marL="0" indent="0" algn="ctr" defTabSz="914400" latinLnBrk="0">
-              <a:lnSpc>
-                <a:spcPct val="102000"/>
-              </a:lnSpc>
-              <a:spcBef>
-                <a:spcPts val="0"/>
-              </a:spcBef>
-              <a:spcAft>
-                <a:spcPts val="0"/>
-              </a:spcAft>
-              <a:buFontTx/>
-              <a:buNone/>
-            </a:pPr>
-            <a:endParaRPr lang="ko-KR" altLang="en-US" sz="1200">
-              <a:latin typeface="Arial" charset="0"/>
-            </a:endParaRPr>
-          </a:p>
-          <a:p>
-            <a:pPr marL="0" indent="0" algn="ctr" defTabSz="914400" latinLnBrk="0">
-              <a:lnSpc>
-                <a:spcPct val="102000"/>
-              </a:lnSpc>
-              <a:spcBef>
-                <a:spcPts val="0"/>
-              </a:spcBef>
-              <a:spcAft>
-                <a:spcPts val="0"/>
-              </a:spcAft>
-              <a:buFontTx/>
-              <a:buNone/>
-            </a:pPr>
-            <a:endParaRPr lang="ko-KR" altLang="en-US" sz="1200">
-              <a:latin typeface="Arial" charset="0"/>
-            </a:endParaRPr>
-          </a:p>
-          <a:p>
-            <a:pPr marL="0" indent="0" algn="ctr" defTabSz="914400" latinLnBrk="0">
-              <a:lnSpc>
-                <a:spcPct val="102000"/>
-              </a:lnSpc>
-              <a:spcBef>
-                <a:spcPts val="0"/>
-              </a:spcBef>
-              <a:spcAft>
-                <a:spcPts val="0"/>
-              </a:spcAft>
-              <a:buFontTx/>
-              <a:buNone/>
-            </a:pPr>
-            <a:endParaRPr lang="ko-KR" altLang="en-US" sz="1200">
-              <a:latin typeface="Arial" charset="0"/>
-            </a:endParaRPr>
-          </a:p>
-          <a:p>
-            <a:pPr marL="0" indent="0" algn="ctr" defTabSz="914400" latinLnBrk="0">
-              <a:lnSpc>
-                <a:spcPct val="102000"/>
-              </a:lnSpc>
-              <a:spcBef>
-                <a:spcPts val="0"/>
-              </a:spcBef>
-              <a:spcAft>
-                <a:spcPts val="0"/>
-              </a:spcAft>
-              <a:buFontTx/>
-              <a:buNone/>
-            </a:pPr>
-            <a:endParaRPr lang="ko-KR" altLang="en-US" sz="1200">
-              <a:latin typeface="Arial" charset="0"/>
-            </a:endParaRPr>
-          </a:p>
-          <a:p>
-            <a:pPr marL="0" indent="0" algn="ctr" defTabSz="914400" latinLnBrk="0">
-              <a:lnSpc>
-                <a:spcPct val="102000"/>
-              </a:lnSpc>
-              <a:spcBef>
-                <a:spcPts val="0"/>
-              </a:spcBef>
-              <a:spcAft>
-                <a:spcPts val="0"/>
-              </a:spcAft>
-              <a:buFontTx/>
-              <a:buNone/>
-            </a:pPr>
-            <a:endParaRPr lang="ko-KR" altLang="en-US" sz="1200">
-              <a:latin typeface="Arial" charset="0"/>
-            </a:endParaRPr>
-          </a:p>
-          <a:p>
-            <a:pPr marL="0" indent="0" algn="ctr" defTabSz="914400" latinLnBrk="0">
-              <a:lnSpc>
-                <a:spcPct val="102000"/>
-              </a:lnSpc>
-              <a:spcBef>
-                <a:spcPts val="0"/>
-              </a:spcBef>
-              <a:spcAft>
-                <a:spcPts val="0"/>
-              </a:spcAft>
-              <a:buFontTx/>
-              <a:buNone/>
-            </a:pPr>
-            <a:endParaRPr lang="ko-KR" altLang="en-US" sz="1200">
-              <a:latin typeface="Arial" charset="0"/>
-            </a:endParaRPr>
-          </a:p>
-          <a:p>
-            <a:pPr marL="0" indent="0" algn="ctr" defTabSz="914400" latinLnBrk="0">
-              <a:lnSpc>
-                <a:spcPct val="102000"/>
-              </a:lnSpc>
-              <a:spcBef>
-                <a:spcPts val="0"/>
-              </a:spcBef>
-              <a:spcAft>
-                <a:spcPts val="0"/>
-              </a:spcAft>
-              <a:buFontTx/>
-              <a:buNone/>
-            </a:pPr>
-            <a:endParaRPr lang="ko-KR" altLang="en-US" sz="1800">
-              <a:latin typeface="Arial" charset="0"/>
-            </a:endParaRPr>
-          </a:p>
-        </p:txBody>
-      </p:sp>
-      <p:sp>
-        <p:nvSpPr>
-          <p:cNvPr id="4" name="Rect 0"/>
-          <p:cNvSpPr txBox="1">
-            <a:spLocks/>
-          </p:cNvSpPr>
-          <p:nvPr/>
-        </p:nvSpPr>
-        <p:spPr>
-          <a:xfrm rot="0">
-            <a:off x="245110" y="69850"/>
-            <a:ext cx="495935" cy="520700"/>
-          </a:xfrm>
-          <a:prstGeom prst="rect"/>
-        </p:spPr>
-        <p:txBody>
-          <a:bodyPr wrap="square" lIns="91440" tIns="45720" rIns="91440" bIns="45720" numCol="1" vert="horz" anchor="ctr">
-            <a:noAutofit/>
-          </a:bodyPr>
-          <a:lstStyle/>
-          <a:p>
-            <a:pPr marL="0" indent="0" algn="l" defTabSz="914400" latinLnBrk="0">
-              <a:lnSpc>
-                <a:spcPct val="102000"/>
-              </a:lnSpc>
-              <a:spcBef>
-                <a:spcPts val="0"/>
-              </a:spcBef>
-              <a:spcAft>
-                <a:spcPts val="0"/>
-              </a:spcAft>
-              <a:buFontTx/>
-              <a:buNone/>
-            </a:pPr>
-            <a:r>
-              <a:rPr lang="en-US" altLang="ko-KR" sz="1600">
-                <a:solidFill>
-                  <a:srgbClr val="4C3C2E"/>
-                </a:solidFill>
-                <a:latin typeface="Arial" charset="0"/>
-              </a:rPr>
-              <a:t>05</a:t>
-            </a:r>
-            <a:endParaRPr lang="ko-KR" altLang="en-US" sz="1600">
-              <a:solidFill>
-                <a:srgbClr val="4C3C2E"/>
-              </a:solidFill>
-              <a:latin typeface="Arial" charset="0"/>
-            </a:endParaRPr>
-          </a:p>
-        </p:txBody>
-      </p:sp>
-      <p:sp>
-        <p:nvSpPr>
-          <p:cNvPr id="7" name="Rect 0"/>
-          <p:cNvSpPr txBox="1">
-            <a:spLocks/>
-          </p:cNvSpPr>
-          <p:nvPr/>
-        </p:nvSpPr>
-        <p:spPr bwMode="auto">
-          <a:xfrm rot="0">
-            <a:off x="2042795" y="411480"/>
-            <a:ext cx="5815965" cy="359410"/>
-          </a:xfrm>
-          <a:prstGeom prst="rect"/>
-          <a:noFill/>
-          <a:ln w="0">
-            <a:noFill/>
-            <a:prstDash/>
-          </a:ln>
-        </p:spPr>
-        <p:txBody>
-          <a:bodyPr wrap="square" lIns="91440" tIns="45720" rIns="91440" bIns="45720" numCol="1" vert="horz" anchor="t">
-            <a:noAutofit/>
-          </a:bodyPr>
-          <a:lstStyle/>
-          <a:p>
-            <a:pPr marL="623570" indent="-514350" algn="l" defTabSz="914400" latinLnBrk="0">
-              <a:lnSpc>
-                <a:spcPct val="154000"/>
-              </a:lnSpc>
-              <a:spcBef>
-                <a:spcPts val="0"/>
-              </a:spcBef>
-              <a:spcAft>
-                <a:spcPts val="0"/>
-              </a:spcAft>
-              <a:buFontTx/>
-              <a:buNone/>
-            </a:pPr>
-            <a:r>
-              <a:rPr lang="en-US" altLang="ko-KR" sz="1400" b="1">
-                <a:solidFill>
-                  <a:srgbClr val="00B0F0"/>
-                </a:solidFill>
-                <a:latin typeface="Arial" charset="0"/>
-              </a:rPr>
-              <a:t> Best Model =  Logistic Regression with no PCA</a:t>
-            </a:r>
-            <a:endParaRPr lang="ko-KR" altLang="en-US" sz="1400" b="1">
-              <a:solidFill>
-                <a:srgbClr val="00B0F0"/>
-              </a:solidFill>
-              <a:latin typeface="Arial" charset="0"/>
-            </a:endParaRPr>
-          </a:p>
-        </p:txBody>
-      </p:sp>
-      <p:sp>
-        <p:nvSpPr>
-          <p:cNvPr id="13" name="제목 1"/>
-          <p:cNvSpPr txBox="1">
-            <a:spLocks/>
-          </p:cNvSpPr>
-          <p:nvPr>
-            <p:ph type="title" idx="4294967295"/>
-          </p:nvPr>
-        </p:nvSpPr>
-        <p:spPr>
-          <a:xfrm rot="0">
-            <a:off x="908050" y="68580"/>
-            <a:ext cx="7633335" cy="520700"/>
-          </a:xfrm>
-          <a:prstGeom prst="rect"/>
-        </p:spPr>
-        <p:txBody>
-          <a:bodyPr wrap="square" lIns="91440" tIns="45720" rIns="91440" bIns="45720" numCol="1" vert="horz" anchor="ctr">
-            <a:normAutofit fontScale="100000" lnSpcReduction="0"/>
-          </a:bodyPr>
-          <a:lstStyle/>
-          <a:p>
-            <a:pPr marL="0" indent="0" latinLnBrk="0">
-              <a:buFontTx/>
-              <a:buNone/>
-            </a:pPr>
-            <a:r>
-              <a:rPr lang="en-US" altLang="ko-KR" sz="1800" b="1">
-                <a:solidFill>
-                  <a:srgbClr val="615247"/>
-                </a:solidFill>
-                <a:latin typeface="맑은 고딕" charset="0"/>
-                <a:ea typeface="맑은 고딕" charset="0"/>
-                <a:cs typeface="+mj-cs"/>
-              </a:rPr>
-              <a:t>Machine Learning Results</a:t>
-            </a:r>
-            <a:endParaRPr lang="ko-KR" altLang="en-US" sz="1800" b="1">
-              <a:solidFill>
-                <a:srgbClr val="615247"/>
-              </a:solidFill>
-              <a:latin typeface="맑은 고딕" charset="0"/>
-              <a:ea typeface="맑은 고딕" charset="0"/>
-              <a:cs typeface="+mj-cs"/>
-            </a:endParaRPr>
-          </a:p>
-        </p:txBody>
-      </p:sp>
-      <p:pic>
-        <p:nvPicPr>
-          <p:cNvPr id="15" name="Picture " descr="C:/Users/jonny/AppData/Roaming/PolarisOffice9/ETemp/8596_9791528/fImage290651859358.png"/>
-          <p:cNvPicPr>
-            <a:picLocks noChangeAspect="1"/>
-          </p:cNvPicPr>
-          <p:nvPr/>
-        </p:nvPicPr>
-        <p:blipFill rotWithShape="1">
-          <a:blip r:embed="rId2" cstate="print">
-            <a:extLst>
-              <a:ext uri="{28A0092B-C50C-407E-A947-70E740481C1C}">
-                <a14:useLocalDpi xmlns:a14="http://schemas.microsoft.com/office/drawing/2010/main" val="0"/>
-              </a:ext>
-            </a:extLst>
-          </a:blip>
-          <a:srcRect/>
-          <a:stretch>
-            <a:fillRect/>
-          </a:stretch>
-        </p:blipFill>
-        <p:spPr bwMode="auto">
-          <a:xfrm rot="0">
-            <a:off x="3625850" y="922020"/>
-            <a:ext cx="5090160" cy="4183380"/>
-          </a:xfrm>
-          <a:prstGeom prst="roundRect">
-            <a:avLst>
-              <a:gd name="adj" fmla="val 1869"/>
-            </a:avLst>
-          </a:prstGeom>
-          <a:solidFill>
-            <a:srgbClr val="FFFFFF">
-              <a:shade val="85000"/>
-            </a:srgbClr>
-          </a:solidFill>
-          <a:ln w="0">
-            <a:noFill/>
-            <a:prstDash/>
-          </a:ln>
-        </p:spPr>
-      </p:pic>
-      <p:sp>
-        <p:nvSpPr>
-          <p:cNvPr id="10" name="Rect 0"/>
-          <p:cNvSpPr>
-            <a:spLocks/>
-          </p:cNvSpPr>
-          <p:nvPr/>
-        </p:nvSpPr>
-        <p:spPr>
-          <a:xfrm rot="0">
-            <a:off x="2091690" y="621030"/>
-            <a:ext cx="74930" cy="74930"/>
-          </a:xfrm>
-          <a:prstGeom prst="ellipse"/>
-          <a:ln w="28575" cap="flat" cmpd="sng">
-            <a:solidFill>
-              <a:srgbClr val="00B0F0">
-                <a:alpha val="100000"/>
-              </a:srgbClr>
-            </a:solidFill>
-            <a:prstDash val="solid"/>
-          </a:ln>
-        </p:spPr>
-        <p:style>
-          <a:lnRef idx="2">
-            <a:schemeClr val="dk1"/>
-          </a:lnRef>
-          <a:fillRef idx="1">
-            <a:schemeClr val="lt1"/>
-          </a:fillRef>
-          <a:effectRef idx="0">
-            <a:schemeClr val="dk1"/>
-          </a:effectRef>
-          <a:fontRef idx="minor">
-            <a:schemeClr val="dk1"/>
-          </a:fontRef>
-        </p:style>
-        <p:txBody>
-          <a:bodyPr wrap="square" lIns="91440" tIns="45720" rIns="91440" bIns="45720" numCol="1" vert="horz" anchor="ctr">
-            <a:noAutofit/>
-          </a:bodyPr>
-          <a:lstStyle/>
-          <a:p>
-            <a:pPr marL="0" indent="0" algn="ctr" latinLnBrk="0">
-              <a:buFontTx/>
-              <a:buNone/>
-            </a:pPr>
-            <a:endParaRPr lang="ko-KR" altLang="en-US" b="1">
-              <a:ln w="57150" cap="flat" cmpd="sng">
-                <a:solidFill>
-                  <a:schemeClr val="tx2">
-                    <a:satMod val="155000"/>
-                    <a:alpha val="100000"/>
-                  </a:schemeClr>
-                </a:solidFill>
-                <a:prstDash val="solid"/>
-              </a:ln>
-              <a:solidFill>
-                <a:schemeClr val="bg2">
-                  <a:satMod val="155000"/>
-                  <a:tint val="85000"/>
-                </a:schemeClr>
-              </a:solidFill>
-            </a:endParaRPr>
-          </a:p>
-        </p:txBody>
-      </p:sp>
-    </p:spTree>
-  </p:cSld>
-  <p:clrMapOvr>
-    <a:masterClrMapping/>
-  </p:clrMapOvr>
-  <mc:AlternateContent xmlns:mc="http://schemas.openxmlformats.org/markup-compatibility/2006">
-    <mc:Choice xmlns:p14="http://schemas.microsoft.com/office/powerpoint/2010/main" Requires="p14">
-      <p:transition spd="slow" p14:dur="2000"/>
-    </mc:Choice>
-    <mc:Fallback>
-      <p:transition spd="slow"/>
-    </mc:Fallback>
-  </mc:AlternateContent>
-  <p:timing>
-    <p:tnLst>
-      <p:par>
-        <p:cTn id="1" dur="indefinite" restart="never" nodeType="tmRoot"/>
-      </p:par>
-    </p:tnLst>
-  </p:timing>
-</p:sld>
-</file>
-
-<file path=ppt/slides/slide17.xml><?xml version="1.0" encoding="utf-8"?>
-<p:sld xmlns:a="http://schemas.openxmlformats.org/drawingml/2006/main" xmlns:r="http://schemas.openxmlformats.org/officeDocument/2006/relationships" xmlns:p="http://schemas.openxmlformats.org/presentationml/2006/main">
-  <p:cSld>
-    <p:spTree>
-      <p:nvGrpSpPr>
-        <p:cNvPr id="1" name=""/>
-        <p:cNvGrpSpPr/>
-        <p:nvPr/>
-      </p:nvGrpSpPr>
-      <p:grpSpPr>
-        <a:xfrm>
-          <a:off x="0" y="0"/>
-          <a:ext cx="0" cy="0"/>
-          <a:chOff x="0" y="0"/>
-          <a:chExt cx="0" cy="0"/>
-        </a:xfrm>
-      </p:grpSpPr>
-      <p:sp>
-        <p:nvSpPr>
-          <p:cNvPr id="12" name="Rect 0"/>
-          <p:cNvSpPr>
-            <a:spLocks/>
-          </p:cNvSpPr>
-          <p:nvPr/>
-        </p:nvSpPr>
-        <p:spPr>
-          <a:xfrm rot="0">
-            <a:off x="493395" y="607060"/>
-            <a:ext cx="8508365" cy="4370070"/>
-          </a:xfrm>
-          <a:prstGeom prst="roundRect">
-            <a:avLst>
-              <a:gd name="adj" fmla="val 2528"/>
-            </a:avLst>
-          </a:prstGeom>
-          <a:pattFill prst="wdDnDiag">
-            <a:fgClr>
-              <a:srgbClr val="05BEFF"/>
-            </a:fgClr>
-            <a:bgClr>
-              <a:srgbClr val="00B0EE"/>
-            </a:bgClr>
-          </a:pattFill>
-          <a:ln w="0">
-            <a:noFill/>
-            <a:prstDash/>
-          </a:ln>
-        </p:spPr>
-        <p:style>
-          <a:lnRef idx="2">
-            <a:schemeClr val="accent1">
-              <a:shade val="50000"/>
-            </a:schemeClr>
-          </a:lnRef>
-          <a:fillRef idx="1">
-            <a:schemeClr val="accent1"/>
-          </a:fillRef>
-          <a:effectRef idx="0">
-            <a:schemeClr val="accent1"/>
-          </a:effectRef>
-          <a:fontRef idx="minor">
-            <a:schemeClr val="lt1"/>
-          </a:fontRef>
-        </p:style>
-        <p:txBody>
-          <a:bodyPr wrap="square" lIns="215900" tIns="71755" rIns="215900" bIns="45720" numCol="1" vert="horz" anchor="ctr">
-            <a:noAutofit/>
-          </a:bodyPr>
-          <a:lstStyle/>
-          <a:p>
-            <a:pPr marL="0" indent="0" algn="l" defTabSz="914400" latinLnBrk="0">
-              <a:lnSpc>
-                <a:spcPct val="102000"/>
-              </a:lnSpc>
-              <a:spcBef>
-                <a:spcPts val="0"/>
-              </a:spcBef>
-              <a:spcAft>
-                <a:spcPts val="0"/>
-              </a:spcAft>
-              <a:buFontTx/>
-              <a:buNone/>
-            </a:pPr>
-            <a:endParaRPr lang="ko-KR" altLang="en-US" sz="1400">
-              <a:solidFill>
-                <a:srgbClr val="FFFFFF"/>
-              </a:solidFill>
-              <a:latin typeface="Arial" charset="0"/>
-            </a:endParaRPr>
-          </a:p>
-          <a:p>
-            <a:pPr marL="0" indent="0" algn="l" defTabSz="914400" latinLnBrk="0">
-              <a:lnSpc>
-                <a:spcPct val="102000"/>
-              </a:lnSpc>
-              <a:spcBef>
-                <a:spcPts val="0"/>
-              </a:spcBef>
-              <a:spcAft>
-                <a:spcPts val="0"/>
-              </a:spcAft>
-              <a:buFontTx/>
-              <a:buNone/>
-            </a:pPr>
-            <a:endParaRPr lang="ko-KR" altLang="en-US" sz="1400">
-              <a:solidFill>
-                <a:srgbClr val="FFFFFF"/>
-              </a:solidFill>
-              <a:latin typeface="Arial" charset="0"/>
-            </a:endParaRPr>
-          </a:p>
-          <a:p>
-            <a:pPr marL="0" indent="0" algn="ctr" defTabSz="914400" latinLnBrk="0">
-              <a:lnSpc>
-                <a:spcPct val="102000"/>
-              </a:lnSpc>
-              <a:spcBef>
-                <a:spcPts val="0"/>
-              </a:spcBef>
-              <a:spcAft>
-                <a:spcPts val="0"/>
-              </a:spcAft>
-              <a:buFontTx/>
-              <a:buNone/>
-            </a:pPr>
-            <a:r>
-              <a:rPr lang="en-US" altLang="ko-KR" sz="1600" u="sng" b="1">
-                <a:solidFill>
-                  <a:srgbClr val="FFFFFF"/>
-                </a:solidFill>
-                <a:latin typeface="Arial" charset="0"/>
-              </a:rPr>
-              <a:t>Strengths, Limitations, &amp; Recommendations </a:t>
-            </a:r>
-            <a:endParaRPr lang="ko-KR" altLang="en-US" sz="1600" u="sng" b="1">
-              <a:solidFill>
-                <a:srgbClr val="FFFFFF"/>
-              </a:solidFill>
-              <a:latin typeface="Arial" charset="0"/>
-            </a:endParaRPr>
-          </a:p>
-          <a:p>
-            <a:pPr marL="0" indent="0" algn="l" defTabSz="914400" latinLnBrk="0">
-              <a:lnSpc>
-                <a:spcPct val="102000"/>
-              </a:lnSpc>
-              <a:spcBef>
-                <a:spcPts val="0"/>
-              </a:spcBef>
-              <a:spcAft>
-                <a:spcPts val="0"/>
-              </a:spcAft>
-              <a:buFontTx/>
-              <a:buNone/>
-            </a:pPr>
-            <a:r>
-              <a:rPr lang="en-US" altLang="ko-KR" sz="1500" u="sng" b="1">
-                <a:solidFill>
-                  <a:srgbClr val="FFFFFF"/>
-                </a:solidFill>
-                <a:latin typeface="Arial" charset="0"/>
-              </a:rPr>
-              <a:t>Strengths:</a:t>
-            </a:r>
-            <a:endParaRPr lang="ko-KR" altLang="en-US" sz="1500">
-              <a:solidFill>
-                <a:srgbClr val="FFFFFF"/>
-              </a:solidFill>
-              <a:latin typeface="Arial" charset="0"/>
-            </a:endParaRPr>
-          </a:p>
-          <a:p>
-            <a:pPr marL="0" indent="0" algn="l" defTabSz="914400" latinLnBrk="0">
-              <a:lnSpc>
-                <a:spcPct val="102000"/>
-              </a:lnSpc>
-              <a:spcBef>
-                <a:spcPts val="0"/>
-              </a:spcBef>
-              <a:spcAft>
-                <a:spcPts val="0"/>
-              </a:spcAft>
-              <a:buFontTx/>
-              <a:buNone/>
-            </a:pPr>
-            <a:endParaRPr lang="ko-KR" altLang="en-US" sz="1400">
-              <a:solidFill>
-                <a:schemeClr val="bg1"/>
-              </a:solidFill>
-              <a:latin typeface="Arial" charset="0"/>
-            </a:endParaRPr>
-          </a:p>
-          <a:p>
-            <a:pPr marL="0" indent="0" algn="l" defTabSz="914400" latinLnBrk="0">
-              <a:lnSpc>
-                <a:spcPct val="102000"/>
-              </a:lnSpc>
-              <a:spcBef>
-                <a:spcPts val="0"/>
-              </a:spcBef>
-              <a:spcAft>
-                <a:spcPts val="0"/>
-              </a:spcAft>
-              <a:buFontTx/>
-              <a:buNone/>
-            </a:pPr>
-            <a:r>
-              <a:rPr lang="en-US" altLang="ko-KR" sz="1400">
-                <a:solidFill>
-                  <a:schemeClr val="bg1"/>
-                </a:solidFill>
-                <a:latin typeface="Arial" charset="0"/>
-              </a:rPr>
-              <a:t>-</a:t>
-            </a:r>
-            <a:r>
-              <a:rPr lang="en-US" altLang="ko-KR" sz="1400">
-                <a:solidFill>
-                  <a:srgbClr val="FFFFFF"/>
-                </a:solidFill>
-                <a:latin typeface="Arial" charset="0"/>
-              </a:rPr>
-              <a:t> This model’s accuracy on predicting future Home Team Wins is </a:t>
-            </a:r>
-            <a:r>
-              <a:rPr lang="en-US" altLang="ko-KR" sz="1600" b="1">
-                <a:solidFill>
-                  <a:srgbClr val="FF0000"/>
-                </a:solidFill>
-                <a:latin typeface="Arial" charset="0"/>
-              </a:rPr>
-              <a:t>60.02%</a:t>
-            </a:r>
-            <a:r>
-              <a:rPr lang="en-US" altLang="ko-KR" sz="1400">
-                <a:solidFill>
-                  <a:srgbClr val="FFFFFF"/>
-                </a:solidFill>
-                <a:latin typeface="Arial" charset="0"/>
-              </a:rPr>
-              <a:t>. </a:t>
-            </a:r>
-            <a:endParaRPr lang="ko-KR" altLang="en-US" sz="1400">
-              <a:solidFill>
-                <a:srgbClr val="FFFFFF"/>
-              </a:solidFill>
-              <a:latin typeface="Arial" charset="0"/>
-            </a:endParaRPr>
-          </a:p>
-          <a:p>
-            <a:pPr marL="0" indent="0" algn="l" defTabSz="914400" latinLnBrk="0">
-              <a:lnSpc>
-                <a:spcPct val="102000"/>
-              </a:lnSpc>
-              <a:spcBef>
-                <a:spcPts val="0"/>
-              </a:spcBef>
-              <a:spcAft>
-                <a:spcPts val="0"/>
-              </a:spcAft>
-              <a:buFontTx/>
-              <a:buNone/>
-            </a:pPr>
-            <a:endParaRPr lang="ko-KR" altLang="en-US" sz="1400">
-              <a:solidFill>
-                <a:schemeClr val="bg1"/>
-              </a:solidFill>
-              <a:latin typeface="Arial" charset="0"/>
-            </a:endParaRPr>
-          </a:p>
-          <a:p>
-            <a:pPr marL="0" indent="0" algn="l" defTabSz="914400" latinLnBrk="0">
-              <a:lnSpc>
-                <a:spcPct val="102000"/>
-              </a:lnSpc>
-              <a:spcBef>
-                <a:spcPts val="0"/>
-              </a:spcBef>
-              <a:spcAft>
-                <a:spcPts val="0"/>
-              </a:spcAft>
-              <a:buFontTx/>
-              <a:buNone/>
-            </a:pPr>
-            <a:r>
-              <a:rPr lang="en-US" altLang="ko-KR" sz="1400">
-                <a:solidFill>
-                  <a:schemeClr val="bg1"/>
-                </a:solidFill>
-                <a:latin typeface="Arial" charset="0"/>
-              </a:rPr>
-              <a:t>- </a:t>
-            </a:r>
-            <a:r>
-              <a:rPr lang="en-US" altLang="ko-KR" sz="1400">
-                <a:solidFill>
-                  <a:srgbClr val="FFFFFF"/>
-                </a:solidFill>
-                <a:latin typeface="Arial" charset="0"/>
-              </a:rPr>
-              <a:t>Recall measures how many of the positive cases the model correctly predicted. And this model was able to score </a:t>
-            </a:r>
-            <a:r>
-              <a:rPr lang="en-US" altLang="ko-KR" sz="1600" b="1">
-                <a:solidFill>
-                  <a:srgbClr val="FF0000"/>
-                </a:solidFill>
-                <a:latin typeface="Arial" charset="0"/>
-              </a:rPr>
-              <a:t>93.55%</a:t>
-            </a:r>
-            <a:r>
-              <a:rPr lang="en-US" altLang="ko-KR" sz="1400">
-                <a:solidFill>
-                  <a:srgbClr val="FFFFFF"/>
-                </a:solidFill>
-                <a:latin typeface="Arial" charset="0"/>
-              </a:rPr>
-              <a:t>. Which is fantastic for this type of model.</a:t>
-            </a:r>
-            <a:endParaRPr lang="ko-KR" altLang="en-US" sz="1400">
-              <a:solidFill>
-                <a:srgbClr val="FFFFFF"/>
-              </a:solidFill>
-              <a:latin typeface="Arial" charset="0"/>
-            </a:endParaRPr>
-          </a:p>
-          <a:p>
-            <a:pPr marL="0" indent="0" algn="l" defTabSz="914400" latinLnBrk="0">
-              <a:lnSpc>
-                <a:spcPct val="102000"/>
-              </a:lnSpc>
-              <a:spcBef>
-                <a:spcPts val="0"/>
-              </a:spcBef>
-              <a:spcAft>
-                <a:spcPts val="0"/>
-              </a:spcAft>
-              <a:buFontTx/>
-              <a:buNone/>
-            </a:pPr>
-            <a:endParaRPr lang="ko-KR" altLang="en-US" sz="1400">
-              <a:solidFill>
-                <a:srgbClr val="FFFFFF"/>
-              </a:solidFill>
-              <a:latin typeface="Arial" charset="0"/>
-            </a:endParaRPr>
-          </a:p>
-          <a:p>
-            <a:pPr marL="0" indent="0" algn="l" defTabSz="914400" latinLnBrk="0">
-              <a:lnSpc>
-                <a:spcPct val="102000"/>
-              </a:lnSpc>
-              <a:spcBef>
-                <a:spcPts val="0"/>
-              </a:spcBef>
-              <a:spcAft>
-                <a:spcPts val="0"/>
-              </a:spcAft>
-              <a:buFontTx/>
-              <a:buNone/>
-            </a:pPr>
-            <a:r>
-              <a:rPr lang="en-US" altLang="ko-KR" sz="1500" u="sng" b="1">
-                <a:solidFill>
-                  <a:srgbClr val="FFFFFF"/>
-                </a:solidFill>
-                <a:latin typeface="Arial" charset="0"/>
-              </a:rPr>
-              <a:t>Limitations:</a:t>
-            </a:r>
-            <a:endParaRPr lang="ko-KR" altLang="en-US" sz="1500">
-              <a:solidFill>
-                <a:srgbClr val="FFFFFF"/>
-              </a:solidFill>
-              <a:latin typeface="Arial" charset="0"/>
-            </a:endParaRPr>
-          </a:p>
-          <a:p>
-            <a:pPr marL="0" indent="0" algn="l" defTabSz="914400" latinLnBrk="0">
-              <a:lnSpc>
-                <a:spcPct val="102000"/>
-              </a:lnSpc>
-              <a:spcBef>
-                <a:spcPts val="0"/>
-              </a:spcBef>
-              <a:spcAft>
-                <a:spcPts val="0"/>
-              </a:spcAft>
-              <a:buFontTx/>
-              <a:buNone/>
-            </a:pPr>
-            <a:endParaRPr lang="ko-KR" altLang="en-US" sz="1400">
-              <a:solidFill>
-                <a:srgbClr val="FFFFFF"/>
-              </a:solidFill>
-              <a:latin typeface="Arial" charset="0"/>
-            </a:endParaRPr>
-          </a:p>
-          <a:p>
-            <a:pPr marL="0" indent="0" algn="l" defTabSz="914400" latinLnBrk="0">
-              <a:lnSpc>
-                <a:spcPct val="102000"/>
-              </a:lnSpc>
-              <a:spcBef>
-                <a:spcPts val="0"/>
-              </a:spcBef>
-              <a:spcAft>
-                <a:spcPts val="0"/>
-              </a:spcAft>
-              <a:buFontTx/>
-              <a:buNone/>
-            </a:pPr>
-            <a:r>
-              <a:rPr lang="en-US" altLang="ko-KR" sz="1400">
-                <a:solidFill>
-                  <a:srgbClr val="FFFFFF"/>
-                </a:solidFill>
-                <a:latin typeface="Arial" charset="0"/>
-              </a:rPr>
-              <a:t>- Many changes can be made to parameters or inputs to increase Accuracy but the cost may be CPU performance. Due to lack of CPU performance, I was not able to utilize Randomized Search CV which could have increased accuracy more. </a:t>
-            </a:r>
-            <a:endParaRPr lang="ko-KR" altLang="en-US" sz="1400">
-              <a:solidFill>
-                <a:srgbClr val="FFFFFF"/>
-              </a:solidFill>
-              <a:latin typeface="Arial" charset="0"/>
-            </a:endParaRPr>
-          </a:p>
-          <a:p>
-            <a:pPr marL="0" indent="0" algn="l" defTabSz="914400" latinLnBrk="0">
-              <a:lnSpc>
-                <a:spcPct val="102000"/>
-              </a:lnSpc>
-              <a:spcBef>
-                <a:spcPts val="0"/>
-              </a:spcBef>
-              <a:spcAft>
-                <a:spcPts val="0"/>
-              </a:spcAft>
-              <a:buFontTx/>
-              <a:buNone/>
-            </a:pPr>
-            <a:endParaRPr lang="ko-KR" altLang="en-US" sz="1400">
-              <a:solidFill>
-                <a:srgbClr val="FFFFFF"/>
-              </a:solidFill>
-              <a:latin typeface="Arial" charset="0"/>
-            </a:endParaRPr>
-          </a:p>
-          <a:p>
-            <a:pPr marL="0" indent="0" algn="l" defTabSz="914400" latinLnBrk="0">
-              <a:lnSpc>
-                <a:spcPct val="102000"/>
-              </a:lnSpc>
-              <a:spcBef>
-                <a:spcPts val="0"/>
-              </a:spcBef>
-              <a:spcAft>
-                <a:spcPts val="0"/>
-              </a:spcAft>
-              <a:buFontTx/>
-              <a:buNone/>
-            </a:pPr>
-            <a:r>
-              <a:rPr lang="en-US" altLang="ko-KR" sz="1500" u="sng" b="1">
-                <a:solidFill>
-                  <a:srgbClr val="FFFFFF"/>
-                </a:solidFill>
-                <a:latin typeface="Arial" charset="0"/>
-              </a:rPr>
-              <a:t>Recommendation:</a:t>
-            </a:r>
-            <a:endParaRPr lang="ko-KR" altLang="en-US" sz="1500">
-              <a:solidFill>
-                <a:srgbClr val="FFFFFF"/>
-              </a:solidFill>
-              <a:latin typeface="Arial" charset="0"/>
-            </a:endParaRPr>
-          </a:p>
-          <a:p>
-            <a:pPr marL="0" indent="0" algn="l" defTabSz="914400" latinLnBrk="0">
-              <a:lnSpc>
-                <a:spcPct val="102000"/>
-              </a:lnSpc>
-              <a:spcBef>
-                <a:spcPts val="0"/>
-              </a:spcBef>
-              <a:spcAft>
-                <a:spcPts val="0"/>
-              </a:spcAft>
-              <a:buFontTx/>
-              <a:buNone/>
-            </a:pPr>
-            <a:endParaRPr lang="ko-KR" altLang="en-US" sz="1400">
-              <a:solidFill>
-                <a:srgbClr val="FFFFFF"/>
-              </a:solidFill>
-              <a:latin typeface="Arial" charset="0"/>
-            </a:endParaRPr>
-          </a:p>
-          <a:p>
-            <a:pPr marL="0" indent="0" algn="l" defTabSz="914400" latinLnBrk="0">
-              <a:lnSpc>
-                <a:spcPct val="102000"/>
-              </a:lnSpc>
-              <a:spcBef>
-                <a:spcPts val="0"/>
-              </a:spcBef>
-              <a:spcAft>
-                <a:spcPts val="0"/>
-              </a:spcAft>
-              <a:buFontTx/>
-              <a:buNone/>
-            </a:pPr>
-            <a:r>
-              <a:rPr lang="en-US" altLang="ko-KR" sz="1400">
-                <a:solidFill>
-                  <a:srgbClr val="FFFFFF"/>
-                </a:solidFill>
-                <a:latin typeface="Arial" charset="0"/>
-              </a:rPr>
-              <a:t>- More data outside the scope of game statistics should be used to increase accuracy even more. For instance, injury report, ejections or suspensions, and positive (wining) or negative (losing) streaks.  </a:t>
-            </a:r>
-            <a:endParaRPr lang="ko-KR" altLang="en-US" sz="1400">
               <a:latin typeface="Arial" charset="0"/>
             </a:endParaRPr>
           </a:p>
@@ -10440,9 +10034,9 @@
           <p:nvPr/>
         </p:nvSpPr>
         <p:spPr bwMode="auto">
-          <a:xfrm rot="0">
+          <a:xfrm>
             <a:off x="4819015" y="1638300"/>
-            <a:ext cx="3455670" cy="285750"/>
+            <a:ext cx="3456305" cy="286385"/>
           </a:xfrm>
           <a:prstGeom prst="rect"/>
           <a:noFill/>
@@ -10477,7 +10071,7 @@
                 </a:solidFill>
                 <a:latin typeface="Arial" charset="0"/>
               </a:rPr>
-              <a:t>* The goal of the data is to predict the likelihood a home team will win during NBA Finals game. Thus, how accurately can the model predict Home_Team_Wins? which is the target of the dataset.</a:t>
+              <a:t>* The goal of the model is to predict the likelihood a home team will win during NBA Finals game. Thus, how accurately can the model predict in games home team won, which is the target of the dataset.</a:t>
             </a:r>
             <a:endParaRPr lang="ko-KR" altLang="en-US" sz="1200" b="1">
               <a:solidFill>
@@ -10573,9 +10167,9 @@
           <p:nvPr/>
         </p:nvSpPr>
         <p:spPr bwMode="auto">
-          <a:xfrm rot="0">
+          <a:xfrm>
             <a:off x="4572635" y="3535680"/>
-            <a:ext cx="4182745" cy="738505"/>
+            <a:ext cx="4183380" cy="739140"/>
           </a:xfrm>
           <a:prstGeom prst="rect"/>
           <a:noFill/>
@@ -10610,7 +10204,7 @@
                 </a:solidFill>
                 <a:latin typeface="Arial" charset="0"/>
               </a:rPr>
-              <a:t>* All of the 4 different models (Logistic Regression &amp; Decision Tree Classifier) with and without Principal Component Analisis (PCA). </a:t>
+              <a:t>* Analyzed 4 different models (Logistic Regression &amp; Decision Tree Classifier) with and without Principal Component Analisis (PCA). </a:t>
             </a:r>
             <a:endParaRPr lang="ko-KR" altLang="en-US" sz="1200" b="1">
               <a:solidFill>
